--- a/Submission/Re-submission/draft/Figure_1.pptx
+++ b/Submission/Re-submission/draft/Figure_1.pptx
@@ -261,7 +261,7 @@
           <a:p>
             <a:fld id="{4CCD7980-6279-3847-9153-1CCE5938AC85}" type="datetimeFigureOut">
               <a:rPr lang="en-CH" smtClean="0"/>
-              <a:t>20.09.22</a:t>
+              <a:t>17.02.23</a:t>
             </a:fld>
             <a:endParaRPr lang="en-CH"/>
           </a:p>
@@ -461,7 +461,7 @@
           <a:p>
             <a:fld id="{4CCD7980-6279-3847-9153-1CCE5938AC85}" type="datetimeFigureOut">
               <a:rPr lang="en-CH" smtClean="0"/>
-              <a:t>20.09.22</a:t>
+              <a:t>17.02.23</a:t>
             </a:fld>
             <a:endParaRPr lang="en-CH"/>
           </a:p>
@@ -671,7 +671,7 @@
           <a:p>
             <a:fld id="{4CCD7980-6279-3847-9153-1CCE5938AC85}" type="datetimeFigureOut">
               <a:rPr lang="en-CH" smtClean="0"/>
-              <a:t>20.09.22</a:t>
+              <a:t>17.02.23</a:t>
             </a:fld>
             <a:endParaRPr lang="en-CH"/>
           </a:p>
@@ -871,7 +871,7 @@
           <a:p>
             <a:fld id="{4CCD7980-6279-3847-9153-1CCE5938AC85}" type="datetimeFigureOut">
               <a:rPr lang="en-CH" smtClean="0"/>
-              <a:t>20.09.22</a:t>
+              <a:t>17.02.23</a:t>
             </a:fld>
             <a:endParaRPr lang="en-CH"/>
           </a:p>
@@ -1147,7 +1147,7 @@
           <a:p>
             <a:fld id="{4CCD7980-6279-3847-9153-1CCE5938AC85}" type="datetimeFigureOut">
               <a:rPr lang="en-CH" smtClean="0"/>
-              <a:t>20.09.22</a:t>
+              <a:t>17.02.23</a:t>
             </a:fld>
             <a:endParaRPr lang="en-CH"/>
           </a:p>
@@ -1415,7 +1415,7 @@
           <a:p>
             <a:fld id="{4CCD7980-6279-3847-9153-1CCE5938AC85}" type="datetimeFigureOut">
               <a:rPr lang="en-CH" smtClean="0"/>
-              <a:t>20.09.22</a:t>
+              <a:t>17.02.23</a:t>
             </a:fld>
             <a:endParaRPr lang="en-CH"/>
           </a:p>
@@ -1830,7 +1830,7 @@
           <a:p>
             <a:fld id="{4CCD7980-6279-3847-9153-1CCE5938AC85}" type="datetimeFigureOut">
               <a:rPr lang="en-CH" smtClean="0"/>
-              <a:t>20.09.22</a:t>
+              <a:t>17.02.23</a:t>
             </a:fld>
             <a:endParaRPr lang="en-CH"/>
           </a:p>
@@ -1972,7 +1972,7 @@
           <a:p>
             <a:fld id="{4CCD7980-6279-3847-9153-1CCE5938AC85}" type="datetimeFigureOut">
               <a:rPr lang="en-CH" smtClean="0"/>
-              <a:t>20.09.22</a:t>
+              <a:t>17.02.23</a:t>
             </a:fld>
             <a:endParaRPr lang="en-CH"/>
           </a:p>
@@ -2085,7 +2085,7 @@
           <a:p>
             <a:fld id="{4CCD7980-6279-3847-9153-1CCE5938AC85}" type="datetimeFigureOut">
               <a:rPr lang="en-CH" smtClean="0"/>
-              <a:t>20.09.22</a:t>
+              <a:t>17.02.23</a:t>
             </a:fld>
             <a:endParaRPr lang="en-CH"/>
           </a:p>
@@ -2398,7 +2398,7 @@
           <a:p>
             <a:fld id="{4CCD7980-6279-3847-9153-1CCE5938AC85}" type="datetimeFigureOut">
               <a:rPr lang="en-CH" smtClean="0"/>
-              <a:t>20.09.22</a:t>
+              <a:t>17.02.23</a:t>
             </a:fld>
             <a:endParaRPr lang="en-CH"/>
           </a:p>
@@ -2687,7 +2687,7 @@
           <a:p>
             <a:fld id="{4CCD7980-6279-3847-9153-1CCE5938AC85}" type="datetimeFigureOut">
               <a:rPr lang="en-CH" smtClean="0"/>
-              <a:t>20.09.22</a:t>
+              <a:t>17.02.23</a:t>
             </a:fld>
             <a:endParaRPr lang="en-CH"/>
           </a:p>
@@ -2930,7 +2930,7 @@
           <a:p>
             <a:fld id="{4CCD7980-6279-3847-9153-1CCE5938AC85}" type="datetimeFigureOut">
               <a:rPr lang="en-CH" smtClean="0"/>
-              <a:t>20.09.22</a:t>
+              <a:t>17.02.23</a:t>
             </a:fld>
             <a:endParaRPr lang="en-CH"/>
           </a:p>
@@ -3707,7 +3707,7 @@
                     </a:solidFill>
                     <a:latin typeface="Garamond" panose="02020404030301010803" pitchFamily="18" charset="0"/>
                   </a:rPr>
-                  <a:t>I would like to thank the Chinese government. For us, this type of public acknowledgement is priceless in your words about this region that is so important to the world and to Brazil. (Bolsonaro, 25-10-2019)</a:t>
+                  <a:t>I would like to thank the Chinese government. For us, this type of public acknowledgement is priceless in your words about this region that is so important to the world and to Brazil.</a:t>
                 </a:r>
               </a:p>
             </p:txBody>
@@ -3846,7 +3846,7 @@
                     </a:solidFill>
                     <a:latin typeface="Garamond" panose="02020404030301010803" pitchFamily="18" charset="0"/>
                   </a:rPr>
-                  <a:t>This highway will allow production in the Tax Free Zone in Manaus to be competitive, not within, but outside, that is the vocation of the the Tax Free Zone to export; and we can even do it through the Caribbean (Cardoso, 02-07-1997)</a:t>
+                  <a:t>This highway will allow production in the Tax Free Zone in Manaus to be competitive, not within, but outside, that is the vocation of the the Tax Free Zone to export; and we can even do it through the Caribbean.</a:t>
                 </a:r>
               </a:p>
             </p:txBody>
@@ -3985,18 +3985,7 @@
                     </a:solidFill>
                     <a:latin typeface="Garamond" panose="02020404030301010803" pitchFamily="18" charset="0"/>
                   </a:rPr>
-                  <a:t>it </a:t>
-                </a:r>
-                <a:r>
-                  <a:rPr lang="en-GB" sz="1100" dirty="0">
-                    <a:solidFill>
-                      <a:schemeClr val="bg1">
-                        <a:lumMod val="65000"/>
-                      </a:schemeClr>
-                    </a:solidFill>
-                    <a:latin typeface="Garamond" panose="02020404030301010803" pitchFamily="18" charset="0"/>
-                  </a:rPr>
-                  <a:t>(Lula, 05-11-2009)</a:t>
+                  <a:t>it.</a:t>
                 </a:r>
                 <a:endParaRPr lang="en-CH" sz="1100" baseline="-25000" dirty="0">
                   <a:solidFill>
@@ -4643,7 +4632,7 @@
                     </a:solidFill>
                     <a:latin typeface="Garamond" panose="02020404030301010803" pitchFamily="18" charset="0"/>
                   </a:rPr>
-                  <a:t>I also want to reaffirm our continued commitment to reducing regional imbalances, boosting transversal policies and infrastructure projects, especially in the Northeast and in the Amazon region. It was important that we soften the impact of the long and prolonged drought in the northeast semi-arid region, </a:t>
+                  <a:t>I also want to reaffirm our continued commitment to reducing regional imbalances, boosting </a:t>
                 </a:r>
                 <a:r>
                   <a:rPr lang="en-GB" sz="1100" b="1" dirty="0">
@@ -4652,16 +4641,7 @@
                     </a:solidFill>
                     <a:latin typeface="Garamond" panose="02020404030301010803" pitchFamily="18" charset="0"/>
                   </a:rPr>
-                  <a:t>but even more important will be the completion of the new, transformative infrastructure for our water resources</a:t>
-                </a:r>
-                <a:r>
-                  <a:rPr lang="en-GB" sz="1100" dirty="0">
-                    <a:solidFill>
-                      <a:schemeClr val="tx1"/>
-                    </a:solidFill>
-                    <a:latin typeface="Garamond" panose="02020404030301010803" pitchFamily="18" charset="0"/>
-                  </a:rPr>
-                  <a:t>, </a:t>
+                  <a:t>transversal policies and infrastructure projects,</a:t>
                 </a:r>
                 <a:r>
                   <a:rPr lang="en-GB" sz="1100" dirty="0">
@@ -4672,7 +4652,18 @@
                     </a:solidFill>
                     <a:latin typeface="Garamond" panose="02020404030301010803" pitchFamily="18" charset="0"/>
                   </a:rPr>
-                  <a:t>protecting more than than 1,000 km of rivers, </a:t>
+                  <a:t> especially in the Northeast and in the Amazon region. It was important that we soften the impact of the long and prolonged drought in the northeast semi-arid region, </a:t>
+                </a:r>
+                <a:r>
+                  <a:rPr lang="en-GB" sz="1100" dirty="0">
+                    <a:solidFill>
+                      <a:schemeClr val="bg2">
+                        <a:lumMod val="75000"/>
+                      </a:schemeClr>
+                    </a:solidFill>
+                    <a:latin typeface="Garamond" panose="02020404030301010803" pitchFamily="18" charset="0"/>
+                  </a:rPr>
+                  <a:t>but even more important will be the completion of the new, transformative infrastructure for our water resources, </a:t>
                 </a:r>
                 <a:r>
                   <a:rPr lang="en-GB" sz="1100" b="1" dirty="0">
@@ -4681,7 +4672,7 @@
                     </a:solidFill>
                     <a:latin typeface="Garamond" panose="02020404030301010803" pitchFamily="18" charset="0"/>
                   </a:rPr>
-                  <a:t>combined with the important social investment more  than one million water</a:t>
+                  <a:t>protecting more than than 1,000 km of rivers, combined with the important social investment more  than one million water</a:t>
                 </a:r>
                 <a:r>
                   <a:rPr lang="en-GB" sz="1100" b="1" dirty="0">
@@ -4704,7 +4695,7 @@
                   <a:t>tanks</a:t>
                 </a:r>
                 <a:r>
-                  <a:rPr lang="en-GB" sz="1100" dirty="0">
+                  <a:rPr lang="en-GB" sz="1100" b="1" dirty="0">
                     <a:solidFill>
                       <a:schemeClr val="bg1">
                         <a:lumMod val="65000"/>
@@ -4712,29 +4703,7 @@
                     </a:solidFill>
                     <a:latin typeface="Garamond" panose="02020404030301010803" pitchFamily="18" charset="0"/>
                   </a:rPr>
-                  <a:t>. (</a:t>
-                </a:r>
-                <a:r>
-                  <a:rPr lang="en-GB" sz="1100" dirty="0" err="1">
-                    <a:solidFill>
-                      <a:schemeClr val="bg1">
-                        <a:lumMod val="65000"/>
-                      </a:schemeClr>
-                    </a:solidFill>
-                    <a:latin typeface="Garamond" panose="02020404030301010803" pitchFamily="18" charset="0"/>
-                  </a:rPr>
-                  <a:t>Roussef</a:t>
-                </a:r>
-                <a:r>
-                  <a:rPr lang="en-GB" sz="1100" dirty="0">
-                    <a:solidFill>
-                      <a:schemeClr val="bg1">
-                        <a:lumMod val="65000"/>
-                      </a:schemeClr>
-                    </a:solidFill>
-                    <a:latin typeface="Garamond" panose="02020404030301010803" pitchFamily="18" charset="0"/>
-                  </a:rPr>
-                  <a:t>, 01-01-2015)</a:t>
+                  <a:t>.</a:t>
                 </a:r>
                 <a:endParaRPr lang="en-CH" sz="1100" baseline="-25000" dirty="0">
                   <a:solidFill>
@@ -5324,6 +5293,48 @@
           </p:style>
         </p:cxnSp>
       </p:grpSp>
+      <p:cxnSp>
+        <p:nvCxnSpPr>
+          <p:cNvPr id="7" name="Straight Connector 6">
+            <a:extLst>
+              <a:ext uri="{FF2B5EF4-FFF2-40B4-BE49-F238E27FC236}">
+                <a16:creationId xmlns:a16="http://schemas.microsoft.com/office/drawing/2014/main" id="{1C7F2432-9C2D-C819-2542-365F32505FDE}"/>
+              </a:ext>
+            </a:extLst>
+          </p:cNvPr>
+          <p:cNvCxnSpPr>
+            <a:cxnSpLocks/>
+            <a:endCxn id="47" idx="1"/>
+          </p:cNvCxnSpPr>
+          <p:nvPr/>
+        </p:nvCxnSpPr>
+        <p:spPr>
+          <a:xfrm flipV="1">
+            <a:off x="8348467" y="5718860"/>
+            <a:ext cx="1297542" cy="265992"/>
+          </a:xfrm>
+          <a:prstGeom prst="line">
+            <a:avLst/>
+          </a:prstGeom>
+          <a:ln w="19050">
+            <a:prstDash val="lgDashDotDot"/>
+          </a:ln>
+        </p:spPr>
+        <p:style>
+          <a:lnRef idx="1">
+            <a:schemeClr val="dk1"/>
+          </a:lnRef>
+          <a:fillRef idx="0">
+            <a:schemeClr val="dk1"/>
+          </a:fillRef>
+          <a:effectRef idx="0">
+            <a:schemeClr val="dk1"/>
+          </a:effectRef>
+          <a:fontRef idx="minor">
+            <a:schemeClr val="tx1"/>
+          </a:fontRef>
+        </p:style>
+      </p:cxnSp>
     </p:spTree>
     <p:extLst>
       <p:ext uri="{BB962C8B-B14F-4D97-AF65-F5344CB8AC3E}">
